--- a/CalendarioAgo24/Presentaciones/5_ArquitecturaRed.pptx
+++ b/CalendarioAgo24/Presentaciones/5_ArquitecturaRed.pptx
@@ -213,7 +213,7 @@
           <a:p>
             <a:fld id="{2D445F07-8756-451B-A938-0248325FC7BB}" type="datetimeFigureOut">
               <a:rPr lang="es-MX" smtClean="0"/>
-              <a:t>13/05/2024</a:t>
+              <a:t>28/10/2024</a:t>
             </a:fld>
             <a:endParaRPr lang="es-MX" dirty="0"/>
           </a:p>
@@ -746,7 +746,7 @@
           <a:p>
             <a:fld id="{5E75A0DC-66C6-4CEC-A5EB-F8C97CEC3796}" type="datetimeFigureOut">
               <a:rPr lang="es-MX" smtClean="0"/>
-              <a:t>13/05/2024</a:t>
+              <a:t>28/10/2024</a:t>
             </a:fld>
             <a:endParaRPr lang="es-MX" dirty="0"/>
           </a:p>
@@ -916,7 +916,7 @@
           <a:p>
             <a:fld id="{5E75A0DC-66C6-4CEC-A5EB-F8C97CEC3796}" type="datetimeFigureOut">
               <a:rPr lang="es-MX" smtClean="0"/>
-              <a:t>13/05/2024</a:t>
+              <a:t>28/10/2024</a:t>
             </a:fld>
             <a:endParaRPr lang="es-MX" dirty="0"/>
           </a:p>
@@ -1096,7 +1096,7 @@
           <a:p>
             <a:fld id="{5E75A0DC-66C6-4CEC-A5EB-F8C97CEC3796}" type="datetimeFigureOut">
               <a:rPr lang="es-MX" smtClean="0"/>
-              <a:t>13/05/2024</a:t>
+              <a:t>28/10/2024</a:t>
             </a:fld>
             <a:endParaRPr lang="es-MX" dirty="0"/>
           </a:p>
@@ -1266,7 +1266,7 @@
           <a:p>
             <a:fld id="{5E75A0DC-66C6-4CEC-A5EB-F8C97CEC3796}" type="datetimeFigureOut">
               <a:rPr lang="es-MX" smtClean="0"/>
-              <a:t>13/05/2024</a:t>
+              <a:t>28/10/2024</a:t>
             </a:fld>
             <a:endParaRPr lang="es-MX" dirty="0"/>
           </a:p>
@@ -1512,7 +1512,7 @@
           <a:p>
             <a:fld id="{5E75A0DC-66C6-4CEC-A5EB-F8C97CEC3796}" type="datetimeFigureOut">
               <a:rPr lang="es-MX" smtClean="0"/>
-              <a:t>13/05/2024</a:t>
+              <a:t>28/10/2024</a:t>
             </a:fld>
             <a:endParaRPr lang="es-MX" dirty="0"/>
           </a:p>
@@ -1800,7 +1800,7 @@
           <a:p>
             <a:fld id="{5E75A0DC-66C6-4CEC-A5EB-F8C97CEC3796}" type="datetimeFigureOut">
               <a:rPr lang="es-MX" smtClean="0"/>
-              <a:t>13/05/2024</a:t>
+              <a:t>28/10/2024</a:t>
             </a:fld>
             <a:endParaRPr lang="es-MX" dirty="0"/>
           </a:p>
@@ -2222,7 +2222,7 @@
           <a:p>
             <a:fld id="{5E75A0DC-66C6-4CEC-A5EB-F8C97CEC3796}" type="datetimeFigureOut">
               <a:rPr lang="es-MX" smtClean="0"/>
-              <a:t>13/05/2024</a:t>
+              <a:t>28/10/2024</a:t>
             </a:fld>
             <a:endParaRPr lang="es-MX" dirty="0"/>
           </a:p>
@@ -2340,7 +2340,7 @@
           <a:p>
             <a:fld id="{5E75A0DC-66C6-4CEC-A5EB-F8C97CEC3796}" type="datetimeFigureOut">
               <a:rPr lang="es-MX" smtClean="0"/>
-              <a:t>13/05/2024</a:t>
+              <a:t>28/10/2024</a:t>
             </a:fld>
             <a:endParaRPr lang="es-MX" dirty="0"/>
           </a:p>
@@ -2435,7 +2435,7 @@
           <a:p>
             <a:fld id="{5E75A0DC-66C6-4CEC-A5EB-F8C97CEC3796}" type="datetimeFigureOut">
               <a:rPr lang="es-MX" smtClean="0"/>
-              <a:t>13/05/2024</a:t>
+              <a:t>28/10/2024</a:t>
             </a:fld>
             <a:endParaRPr lang="es-MX" dirty="0"/>
           </a:p>
@@ -2712,7 +2712,7 @@
           <a:p>
             <a:fld id="{5E75A0DC-66C6-4CEC-A5EB-F8C97CEC3796}" type="datetimeFigureOut">
               <a:rPr lang="es-MX" smtClean="0"/>
-              <a:t>13/05/2024</a:t>
+              <a:t>28/10/2024</a:t>
             </a:fld>
             <a:endParaRPr lang="es-MX" dirty="0"/>
           </a:p>
@@ -2965,7 +2965,7 @@
           <a:p>
             <a:fld id="{5E75A0DC-66C6-4CEC-A5EB-F8C97CEC3796}" type="datetimeFigureOut">
               <a:rPr lang="es-MX" smtClean="0"/>
-              <a:t>13/05/2024</a:t>
+              <a:t>28/10/2024</a:t>
             </a:fld>
             <a:endParaRPr lang="es-MX" dirty="0"/>
           </a:p>
@@ -3178,7 +3178,7 @@
           <a:p>
             <a:fld id="{5E75A0DC-66C6-4CEC-A5EB-F8C97CEC3796}" type="datetimeFigureOut">
               <a:rPr lang="es-MX" smtClean="0"/>
-              <a:t>13/05/2024</a:t>
+              <a:t>28/10/2024</a:t>
             </a:fld>
             <a:endParaRPr lang="es-MX" dirty="0"/>
           </a:p>
@@ -6024,21 +6024,7 @@
                 <a:latin typeface="Arial" panose="020B0604020202020204" pitchFamily="34" charset="0"/>
                 <a:cs typeface="Arial" panose="020B0604020202020204" pitchFamily="34" charset="0"/>
               </a:rPr>
-              <a:t>, el </a:t>
-            </a:r>
-            <a:r>
-              <a:rPr lang="es-ES" sz="1400" dirty="0" err="1">
-                <a:latin typeface="Arial" panose="020B0604020202020204" pitchFamily="34" charset="0"/>
-                <a:cs typeface="Arial" panose="020B0604020202020204" pitchFamily="34" charset="0"/>
-              </a:rPr>
-              <a:t>router</a:t>
-            </a:r>
-            <a:r>
-              <a:rPr lang="es-ES" sz="1400" dirty="0">
-                <a:latin typeface="Arial" panose="020B0604020202020204" pitchFamily="34" charset="0"/>
-                <a:cs typeface="Arial" panose="020B0604020202020204" pitchFamily="34" charset="0"/>
-              </a:rPr>
-              <a:t> puede administrar más fácilmente el flujo del tráfico de voz y de datos.</a:t>
+              <a:t>, el ruteador puede administrar más fácilmente el flujo del tráfico de voz y de datos.</a:t>
             </a:r>
           </a:p>
           <a:p>
